--- a/RELEASE/Doc/更新功能說明(8.10.1.0).pptx
+++ b/RELEASE/Doc/更新功能說明(8.10.1.0).pptx
@@ -210,7 +210,7 @@
           <p:cNvPr id="2" name="標題 1">
             <a:extLst>
               <a:ext uri="{FF2B5EF4-FFF2-40B4-BE49-F238E27FC236}">
-                <a16:creationId xmlns:a16="http://schemas.microsoft.com/office/drawing/2014/main" xmlns="" id="{54710B5B-8F47-487E-BDC1-6E4D9CD70E5C}"/>
+                <a16:creationId xmlns="" xmlns:a16="http://schemas.microsoft.com/office/drawing/2014/main" id="{54710B5B-8F47-487E-BDC1-6E4D9CD70E5C}"/>
               </a:ext>
             </a:extLst>
           </p:cNvPr>
@@ -247,7 +247,7 @@
           <p:cNvPr id="3" name="副標題 2">
             <a:extLst>
               <a:ext uri="{FF2B5EF4-FFF2-40B4-BE49-F238E27FC236}">
-                <a16:creationId xmlns:a16="http://schemas.microsoft.com/office/drawing/2014/main" xmlns="" id="{EE1E8346-3B64-4A10-805B-80C8AFE444D4}"/>
+                <a16:creationId xmlns="" xmlns:a16="http://schemas.microsoft.com/office/drawing/2014/main" id="{EE1E8346-3B64-4A10-805B-80C8AFE444D4}"/>
               </a:ext>
             </a:extLst>
           </p:cNvPr>
@@ -317,7 +317,7 @@
           <p:cNvPr id="4" name="日期版面配置區 3">
             <a:extLst>
               <a:ext uri="{FF2B5EF4-FFF2-40B4-BE49-F238E27FC236}">
-                <a16:creationId xmlns:a16="http://schemas.microsoft.com/office/drawing/2014/main" xmlns="" id="{6180613C-40CE-465B-B031-EEBA1CF9CD2A}"/>
+                <a16:creationId xmlns="" xmlns:a16="http://schemas.microsoft.com/office/drawing/2014/main" id="{6180613C-40CE-465B-B031-EEBA1CF9CD2A}"/>
               </a:ext>
             </a:extLst>
           </p:cNvPr>
@@ -346,7 +346,7 @@
           <p:cNvPr id="5" name="頁尾版面配置區 4">
             <a:extLst>
               <a:ext uri="{FF2B5EF4-FFF2-40B4-BE49-F238E27FC236}">
-                <a16:creationId xmlns:a16="http://schemas.microsoft.com/office/drawing/2014/main" xmlns="" id="{FDF23859-219C-45BD-A002-A368B67C65E0}"/>
+                <a16:creationId xmlns="" xmlns:a16="http://schemas.microsoft.com/office/drawing/2014/main" id="{FDF23859-219C-45BD-A002-A368B67C65E0}"/>
               </a:ext>
             </a:extLst>
           </p:cNvPr>
@@ -371,7 +371,7 @@
           <p:cNvPr id="6" name="投影片編號版面配置區 5">
             <a:extLst>
               <a:ext uri="{FF2B5EF4-FFF2-40B4-BE49-F238E27FC236}">
-                <a16:creationId xmlns:a16="http://schemas.microsoft.com/office/drawing/2014/main" xmlns="" id="{A52F54D7-64DA-4D76-9AE4-5875775D83CC}"/>
+                <a16:creationId xmlns="" xmlns:a16="http://schemas.microsoft.com/office/drawing/2014/main" id="{A52F54D7-64DA-4D76-9AE4-5875775D83CC}"/>
               </a:ext>
             </a:extLst>
           </p:cNvPr>
@@ -444,7 +444,7 @@
           <p:cNvPr id="2" name="標題 1">
             <a:extLst>
               <a:ext uri="{FF2B5EF4-FFF2-40B4-BE49-F238E27FC236}">
-                <a16:creationId xmlns:a16="http://schemas.microsoft.com/office/drawing/2014/main" xmlns="" id="{A2CFB712-CD87-43D2-B70E-44AF02D2BCE3}"/>
+                <a16:creationId xmlns="" xmlns:a16="http://schemas.microsoft.com/office/drawing/2014/main" id="{A2CFB712-CD87-43D2-B70E-44AF02D2BCE3}"/>
               </a:ext>
             </a:extLst>
           </p:cNvPr>
@@ -472,7 +472,7 @@
           <p:cNvPr id="3" name="直排文字版面配置區 2">
             <a:extLst>
               <a:ext uri="{FF2B5EF4-FFF2-40B4-BE49-F238E27FC236}">
-                <a16:creationId xmlns:a16="http://schemas.microsoft.com/office/drawing/2014/main" xmlns="" id="{7D2EA9C4-997A-4B30-9840-A0496DADD73E}"/>
+                <a16:creationId xmlns="" xmlns:a16="http://schemas.microsoft.com/office/drawing/2014/main" id="{7D2EA9C4-997A-4B30-9840-A0496DADD73E}"/>
               </a:ext>
             </a:extLst>
           </p:cNvPr>
@@ -529,7 +529,7 @@
           <p:cNvPr id="4" name="日期版面配置區 3">
             <a:extLst>
               <a:ext uri="{FF2B5EF4-FFF2-40B4-BE49-F238E27FC236}">
-                <a16:creationId xmlns:a16="http://schemas.microsoft.com/office/drawing/2014/main" xmlns="" id="{BFBF0B30-4885-450D-8421-4C1372F2784F}"/>
+                <a16:creationId xmlns="" xmlns:a16="http://schemas.microsoft.com/office/drawing/2014/main" id="{BFBF0B30-4885-450D-8421-4C1372F2784F}"/>
               </a:ext>
             </a:extLst>
           </p:cNvPr>
@@ -558,7 +558,7 @@
           <p:cNvPr id="5" name="頁尾版面配置區 4">
             <a:extLst>
               <a:ext uri="{FF2B5EF4-FFF2-40B4-BE49-F238E27FC236}">
-                <a16:creationId xmlns:a16="http://schemas.microsoft.com/office/drawing/2014/main" xmlns="" id="{E7DAC725-8B24-4F0A-BB9B-65D589E28ECF}"/>
+                <a16:creationId xmlns="" xmlns:a16="http://schemas.microsoft.com/office/drawing/2014/main" id="{E7DAC725-8B24-4F0A-BB9B-65D589E28ECF}"/>
               </a:ext>
             </a:extLst>
           </p:cNvPr>
@@ -583,7 +583,7 @@
           <p:cNvPr id="6" name="投影片編號版面配置區 5">
             <a:extLst>
               <a:ext uri="{FF2B5EF4-FFF2-40B4-BE49-F238E27FC236}">
-                <a16:creationId xmlns:a16="http://schemas.microsoft.com/office/drawing/2014/main" xmlns="" id="{1C44B545-8694-4CE2-8D61-EE7EF74CB5F5}"/>
+                <a16:creationId xmlns="" xmlns:a16="http://schemas.microsoft.com/office/drawing/2014/main" id="{1C44B545-8694-4CE2-8D61-EE7EF74CB5F5}"/>
               </a:ext>
             </a:extLst>
           </p:cNvPr>
@@ -656,7 +656,7 @@
           <p:cNvPr id="2" name="直排標題 1">
             <a:extLst>
               <a:ext uri="{FF2B5EF4-FFF2-40B4-BE49-F238E27FC236}">
-                <a16:creationId xmlns:a16="http://schemas.microsoft.com/office/drawing/2014/main" xmlns="" id="{3848723E-DAAD-42D4-B72E-C460FDB1C138}"/>
+                <a16:creationId xmlns="" xmlns:a16="http://schemas.microsoft.com/office/drawing/2014/main" id="{3848723E-DAAD-42D4-B72E-C460FDB1C138}"/>
               </a:ext>
             </a:extLst>
           </p:cNvPr>
@@ -689,7 +689,7 @@
           <p:cNvPr id="3" name="直排文字版面配置區 2">
             <a:extLst>
               <a:ext uri="{FF2B5EF4-FFF2-40B4-BE49-F238E27FC236}">
-                <a16:creationId xmlns:a16="http://schemas.microsoft.com/office/drawing/2014/main" xmlns="" id="{AD7F11FA-2510-4D79-B4BB-3E43B6DF795F}"/>
+                <a16:creationId xmlns="" xmlns:a16="http://schemas.microsoft.com/office/drawing/2014/main" id="{AD7F11FA-2510-4D79-B4BB-3E43B6DF795F}"/>
               </a:ext>
             </a:extLst>
           </p:cNvPr>
@@ -751,7 +751,7 @@
           <p:cNvPr id="4" name="日期版面配置區 3">
             <a:extLst>
               <a:ext uri="{FF2B5EF4-FFF2-40B4-BE49-F238E27FC236}">
-                <a16:creationId xmlns:a16="http://schemas.microsoft.com/office/drawing/2014/main" xmlns="" id="{48D0D022-89AB-4807-A5C3-F7BF091E14DC}"/>
+                <a16:creationId xmlns="" xmlns:a16="http://schemas.microsoft.com/office/drawing/2014/main" id="{48D0D022-89AB-4807-A5C3-F7BF091E14DC}"/>
               </a:ext>
             </a:extLst>
           </p:cNvPr>
@@ -780,7 +780,7 @@
           <p:cNvPr id="5" name="頁尾版面配置區 4">
             <a:extLst>
               <a:ext uri="{FF2B5EF4-FFF2-40B4-BE49-F238E27FC236}">
-                <a16:creationId xmlns:a16="http://schemas.microsoft.com/office/drawing/2014/main" xmlns="" id="{7C04E86A-A5A4-4121-B9F1-B526EE0A2919}"/>
+                <a16:creationId xmlns="" xmlns:a16="http://schemas.microsoft.com/office/drawing/2014/main" id="{7C04E86A-A5A4-4121-B9F1-B526EE0A2919}"/>
               </a:ext>
             </a:extLst>
           </p:cNvPr>
@@ -805,7 +805,7 @@
           <p:cNvPr id="6" name="投影片編號版面配置區 5">
             <a:extLst>
               <a:ext uri="{FF2B5EF4-FFF2-40B4-BE49-F238E27FC236}">
-                <a16:creationId xmlns:a16="http://schemas.microsoft.com/office/drawing/2014/main" xmlns="" id="{03A44032-1AFA-44E3-BE12-59BE05696C99}"/>
+                <a16:creationId xmlns="" xmlns:a16="http://schemas.microsoft.com/office/drawing/2014/main" id="{03A44032-1AFA-44E3-BE12-59BE05696C99}"/>
               </a:ext>
             </a:extLst>
           </p:cNvPr>
@@ -878,7 +878,7 @@
           <p:cNvPr id="2" name="標題 1">
             <a:extLst>
               <a:ext uri="{FF2B5EF4-FFF2-40B4-BE49-F238E27FC236}">
-                <a16:creationId xmlns:a16="http://schemas.microsoft.com/office/drawing/2014/main" xmlns="" id="{35DC449F-5352-4B63-BE1B-7D55CD5D2080}"/>
+                <a16:creationId xmlns="" xmlns:a16="http://schemas.microsoft.com/office/drawing/2014/main" id="{35DC449F-5352-4B63-BE1B-7D55CD5D2080}"/>
               </a:ext>
             </a:extLst>
           </p:cNvPr>
@@ -906,7 +906,7 @@
           <p:cNvPr id="3" name="內容版面配置區 2">
             <a:extLst>
               <a:ext uri="{FF2B5EF4-FFF2-40B4-BE49-F238E27FC236}">
-                <a16:creationId xmlns:a16="http://schemas.microsoft.com/office/drawing/2014/main" xmlns="" id="{6984DA2F-2272-4517-B0AA-5A59F2E571C0}"/>
+                <a16:creationId xmlns="" xmlns:a16="http://schemas.microsoft.com/office/drawing/2014/main" id="{6984DA2F-2272-4517-B0AA-5A59F2E571C0}"/>
               </a:ext>
             </a:extLst>
           </p:cNvPr>
@@ -963,7 +963,7 @@
           <p:cNvPr id="4" name="日期版面配置區 3">
             <a:extLst>
               <a:ext uri="{FF2B5EF4-FFF2-40B4-BE49-F238E27FC236}">
-                <a16:creationId xmlns:a16="http://schemas.microsoft.com/office/drawing/2014/main" xmlns="" id="{BCACBCF7-56AD-4B0A-88B1-FB02E8FA2C06}"/>
+                <a16:creationId xmlns="" xmlns:a16="http://schemas.microsoft.com/office/drawing/2014/main" id="{BCACBCF7-56AD-4B0A-88B1-FB02E8FA2C06}"/>
               </a:ext>
             </a:extLst>
           </p:cNvPr>
@@ -992,7 +992,7 @@
           <p:cNvPr id="5" name="頁尾版面配置區 4">
             <a:extLst>
               <a:ext uri="{FF2B5EF4-FFF2-40B4-BE49-F238E27FC236}">
-                <a16:creationId xmlns:a16="http://schemas.microsoft.com/office/drawing/2014/main" xmlns="" id="{270A225B-76D5-4E75-8F57-142EFDA39850}"/>
+                <a16:creationId xmlns="" xmlns:a16="http://schemas.microsoft.com/office/drawing/2014/main" id="{270A225B-76D5-4E75-8F57-142EFDA39850}"/>
               </a:ext>
             </a:extLst>
           </p:cNvPr>
@@ -1017,7 +1017,7 @@
           <p:cNvPr id="6" name="投影片編號版面配置區 5">
             <a:extLst>
               <a:ext uri="{FF2B5EF4-FFF2-40B4-BE49-F238E27FC236}">
-                <a16:creationId xmlns:a16="http://schemas.microsoft.com/office/drawing/2014/main" xmlns="" id="{14D6AA24-B8F9-423E-899E-B96057F34066}"/>
+                <a16:creationId xmlns="" xmlns:a16="http://schemas.microsoft.com/office/drawing/2014/main" id="{14D6AA24-B8F9-423E-899E-B96057F34066}"/>
               </a:ext>
             </a:extLst>
           </p:cNvPr>
@@ -1090,7 +1090,7 @@
           <p:cNvPr id="2" name="標題 1">
             <a:extLst>
               <a:ext uri="{FF2B5EF4-FFF2-40B4-BE49-F238E27FC236}">
-                <a16:creationId xmlns:a16="http://schemas.microsoft.com/office/drawing/2014/main" xmlns="" id="{0D705E02-337C-4975-9CE0-E43D24E94072}"/>
+                <a16:creationId xmlns="" xmlns:a16="http://schemas.microsoft.com/office/drawing/2014/main" id="{0D705E02-337C-4975-9CE0-E43D24E94072}"/>
               </a:ext>
             </a:extLst>
           </p:cNvPr>
@@ -1127,7 +1127,7 @@
           <p:cNvPr id="3" name="文字版面配置區 2">
             <a:extLst>
               <a:ext uri="{FF2B5EF4-FFF2-40B4-BE49-F238E27FC236}">
-                <a16:creationId xmlns:a16="http://schemas.microsoft.com/office/drawing/2014/main" xmlns="" id="{1813CD1B-DA7A-4EE7-9FB9-EA578A2E35A4}"/>
+                <a16:creationId xmlns="" xmlns:a16="http://schemas.microsoft.com/office/drawing/2014/main" id="{1813CD1B-DA7A-4EE7-9FB9-EA578A2E35A4}"/>
               </a:ext>
             </a:extLst>
           </p:cNvPr>
@@ -1252,7 +1252,7 @@
           <p:cNvPr id="4" name="日期版面配置區 3">
             <a:extLst>
               <a:ext uri="{FF2B5EF4-FFF2-40B4-BE49-F238E27FC236}">
-                <a16:creationId xmlns:a16="http://schemas.microsoft.com/office/drawing/2014/main" xmlns="" id="{3AA7E1C3-2D56-4FE8-ADB2-E140065EBB2C}"/>
+                <a16:creationId xmlns="" xmlns:a16="http://schemas.microsoft.com/office/drawing/2014/main" id="{3AA7E1C3-2D56-4FE8-ADB2-E140065EBB2C}"/>
               </a:ext>
             </a:extLst>
           </p:cNvPr>
@@ -1281,7 +1281,7 @@
           <p:cNvPr id="5" name="頁尾版面配置區 4">
             <a:extLst>
               <a:ext uri="{FF2B5EF4-FFF2-40B4-BE49-F238E27FC236}">
-                <a16:creationId xmlns:a16="http://schemas.microsoft.com/office/drawing/2014/main" xmlns="" id="{C5DC75FE-27BC-47DE-910B-E65757B32894}"/>
+                <a16:creationId xmlns="" xmlns:a16="http://schemas.microsoft.com/office/drawing/2014/main" id="{C5DC75FE-27BC-47DE-910B-E65757B32894}"/>
               </a:ext>
             </a:extLst>
           </p:cNvPr>
@@ -1306,7 +1306,7 @@
           <p:cNvPr id="6" name="投影片編號版面配置區 5">
             <a:extLst>
               <a:ext uri="{FF2B5EF4-FFF2-40B4-BE49-F238E27FC236}">
-                <a16:creationId xmlns:a16="http://schemas.microsoft.com/office/drawing/2014/main" xmlns="" id="{52689140-B920-4F8C-9108-A30DB3746EEF}"/>
+                <a16:creationId xmlns="" xmlns:a16="http://schemas.microsoft.com/office/drawing/2014/main" id="{52689140-B920-4F8C-9108-A30DB3746EEF}"/>
               </a:ext>
             </a:extLst>
           </p:cNvPr>
@@ -1379,7 +1379,7 @@
           <p:cNvPr id="2" name="標題 1">
             <a:extLst>
               <a:ext uri="{FF2B5EF4-FFF2-40B4-BE49-F238E27FC236}">
-                <a16:creationId xmlns:a16="http://schemas.microsoft.com/office/drawing/2014/main" xmlns="" id="{FA262C94-6684-4BF6-9529-A8D736BC4610}"/>
+                <a16:creationId xmlns="" xmlns:a16="http://schemas.microsoft.com/office/drawing/2014/main" id="{FA262C94-6684-4BF6-9529-A8D736BC4610}"/>
               </a:ext>
             </a:extLst>
           </p:cNvPr>
@@ -1407,7 +1407,7 @@
           <p:cNvPr id="3" name="內容版面配置區 2">
             <a:extLst>
               <a:ext uri="{FF2B5EF4-FFF2-40B4-BE49-F238E27FC236}">
-                <a16:creationId xmlns:a16="http://schemas.microsoft.com/office/drawing/2014/main" xmlns="" id="{B4B96FA5-95F6-43E1-85F9-99C234FF2796}"/>
+                <a16:creationId xmlns="" xmlns:a16="http://schemas.microsoft.com/office/drawing/2014/main" id="{B4B96FA5-95F6-43E1-85F9-99C234FF2796}"/>
               </a:ext>
             </a:extLst>
           </p:cNvPr>
@@ -1469,7 +1469,7 @@
           <p:cNvPr id="4" name="內容版面配置區 3">
             <a:extLst>
               <a:ext uri="{FF2B5EF4-FFF2-40B4-BE49-F238E27FC236}">
-                <a16:creationId xmlns:a16="http://schemas.microsoft.com/office/drawing/2014/main" xmlns="" id="{F00161D8-234A-4FB1-A19A-100DB35A592C}"/>
+                <a16:creationId xmlns="" xmlns:a16="http://schemas.microsoft.com/office/drawing/2014/main" id="{F00161D8-234A-4FB1-A19A-100DB35A592C}"/>
               </a:ext>
             </a:extLst>
           </p:cNvPr>
@@ -1531,7 +1531,7 @@
           <p:cNvPr id="5" name="日期版面配置區 4">
             <a:extLst>
               <a:ext uri="{FF2B5EF4-FFF2-40B4-BE49-F238E27FC236}">
-                <a16:creationId xmlns:a16="http://schemas.microsoft.com/office/drawing/2014/main" xmlns="" id="{CD1382DA-0695-4449-9768-1E2CB8E86F0B}"/>
+                <a16:creationId xmlns="" xmlns:a16="http://schemas.microsoft.com/office/drawing/2014/main" id="{CD1382DA-0695-4449-9768-1E2CB8E86F0B}"/>
               </a:ext>
             </a:extLst>
           </p:cNvPr>
@@ -1560,7 +1560,7 @@
           <p:cNvPr id="6" name="頁尾版面配置區 5">
             <a:extLst>
               <a:ext uri="{FF2B5EF4-FFF2-40B4-BE49-F238E27FC236}">
-                <a16:creationId xmlns:a16="http://schemas.microsoft.com/office/drawing/2014/main" xmlns="" id="{D6AB07D5-53CE-480D-BD1B-5EF69CB53196}"/>
+                <a16:creationId xmlns="" xmlns:a16="http://schemas.microsoft.com/office/drawing/2014/main" id="{D6AB07D5-53CE-480D-BD1B-5EF69CB53196}"/>
               </a:ext>
             </a:extLst>
           </p:cNvPr>
@@ -1585,7 +1585,7 @@
           <p:cNvPr id="7" name="投影片編號版面配置區 6">
             <a:extLst>
               <a:ext uri="{FF2B5EF4-FFF2-40B4-BE49-F238E27FC236}">
-                <a16:creationId xmlns:a16="http://schemas.microsoft.com/office/drawing/2014/main" xmlns="" id="{E971B7C9-BFF2-4BCA-ACF0-B35C55DBFB5D}"/>
+                <a16:creationId xmlns="" xmlns:a16="http://schemas.microsoft.com/office/drawing/2014/main" id="{E971B7C9-BFF2-4BCA-ACF0-B35C55DBFB5D}"/>
               </a:ext>
             </a:extLst>
           </p:cNvPr>
@@ -1658,7 +1658,7 @@
           <p:cNvPr id="2" name="標題 1">
             <a:extLst>
               <a:ext uri="{FF2B5EF4-FFF2-40B4-BE49-F238E27FC236}">
-                <a16:creationId xmlns:a16="http://schemas.microsoft.com/office/drawing/2014/main" xmlns="" id="{209B5780-0D72-4724-831C-537942CBF041}"/>
+                <a16:creationId xmlns="" xmlns:a16="http://schemas.microsoft.com/office/drawing/2014/main" id="{209B5780-0D72-4724-831C-537942CBF041}"/>
               </a:ext>
             </a:extLst>
           </p:cNvPr>
@@ -1691,7 +1691,7 @@
           <p:cNvPr id="3" name="文字版面配置區 2">
             <a:extLst>
               <a:ext uri="{FF2B5EF4-FFF2-40B4-BE49-F238E27FC236}">
-                <a16:creationId xmlns:a16="http://schemas.microsoft.com/office/drawing/2014/main" xmlns="" id="{B8218C63-B065-4DDA-9397-DFC0BDE150F0}"/>
+                <a16:creationId xmlns="" xmlns:a16="http://schemas.microsoft.com/office/drawing/2014/main" id="{B8218C63-B065-4DDA-9397-DFC0BDE150F0}"/>
               </a:ext>
             </a:extLst>
           </p:cNvPr>
@@ -1762,7 +1762,7 @@
           <p:cNvPr id="4" name="內容版面配置區 3">
             <a:extLst>
               <a:ext uri="{FF2B5EF4-FFF2-40B4-BE49-F238E27FC236}">
-                <a16:creationId xmlns:a16="http://schemas.microsoft.com/office/drawing/2014/main" xmlns="" id="{A26528C2-FFD1-4435-953F-BCCF5ACCEF07}"/>
+                <a16:creationId xmlns="" xmlns:a16="http://schemas.microsoft.com/office/drawing/2014/main" id="{A26528C2-FFD1-4435-953F-BCCF5ACCEF07}"/>
               </a:ext>
             </a:extLst>
           </p:cNvPr>
@@ -1824,7 +1824,7 @@
           <p:cNvPr id="5" name="文字版面配置區 4">
             <a:extLst>
               <a:ext uri="{FF2B5EF4-FFF2-40B4-BE49-F238E27FC236}">
-                <a16:creationId xmlns:a16="http://schemas.microsoft.com/office/drawing/2014/main" xmlns="" id="{BEDC10EF-8E3E-4FC4-896E-0FC135CEDA4B}"/>
+                <a16:creationId xmlns="" xmlns:a16="http://schemas.microsoft.com/office/drawing/2014/main" id="{BEDC10EF-8E3E-4FC4-896E-0FC135CEDA4B}"/>
               </a:ext>
             </a:extLst>
           </p:cNvPr>
@@ -1895,7 +1895,7 @@
           <p:cNvPr id="6" name="內容版面配置區 5">
             <a:extLst>
               <a:ext uri="{FF2B5EF4-FFF2-40B4-BE49-F238E27FC236}">
-                <a16:creationId xmlns:a16="http://schemas.microsoft.com/office/drawing/2014/main" xmlns="" id="{C1A012B9-B286-47DF-B5B8-07D672FF1624}"/>
+                <a16:creationId xmlns="" xmlns:a16="http://schemas.microsoft.com/office/drawing/2014/main" id="{C1A012B9-B286-47DF-B5B8-07D672FF1624}"/>
               </a:ext>
             </a:extLst>
           </p:cNvPr>
@@ -1957,7 +1957,7 @@
           <p:cNvPr id="7" name="日期版面配置區 6">
             <a:extLst>
               <a:ext uri="{FF2B5EF4-FFF2-40B4-BE49-F238E27FC236}">
-                <a16:creationId xmlns:a16="http://schemas.microsoft.com/office/drawing/2014/main" xmlns="" id="{51C3F409-8867-4945-BC2B-E1370645EF26}"/>
+                <a16:creationId xmlns="" xmlns:a16="http://schemas.microsoft.com/office/drawing/2014/main" id="{51C3F409-8867-4945-BC2B-E1370645EF26}"/>
               </a:ext>
             </a:extLst>
           </p:cNvPr>
@@ -1986,7 +1986,7 @@
           <p:cNvPr id="8" name="頁尾版面配置區 7">
             <a:extLst>
               <a:ext uri="{FF2B5EF4-FFF2-40B4-BE49-F238E27FC236}">
-                <a16:creationId xmlns:a16="http://schemas.microsoft.com/office/drawing/2014/main" xmlns="" id="{F60F2BDD-A807-476B-B078-6F7EC661D85E}"/>
+                <a16:creationId xmlns="" xmlns:a16="http://schemas.microsoft.com/office/drawing/2014/main" id="{F60F2BDD-A807-476B-B078-6F7EC661D85E}"/>
               </a:ext>
             </a:extLst>
           </p:cNvPr>
@@ -2011,7 +2011,7 @@
           <p:cNvPr id="9" name="投影片編號版面配置區 8">
             <a:extLst>
               <a:ext uri="{FF2B5EF4-FFF2-40B4-BE49-F238E27FC236}">
-                <a16:creationId xmlns:a16="http://schemas.microsoft.com/office/drawing/2014/main" xmlns="" id="{50B98E29-98F8-4A71-B4D0-D2EA668ED3B9}"/>
+                <a16:creationId xmlns="" xmlns:a16="http://schemas.microsoft.com/office/drawing/2014/main" id="{50B98E29-98F8-4A71-B4D0-D2EA668ED3B9}"/>
               </a:ext>
             </a:extLst>
           </p:cNvPr>
@@ -2084,7 +2084,7 @@
           <p:cNvPr id="2" name="標題 1">
             <a:extLst>
               <a:ext uri="{FF2B5EF4-FFF2-40B4-BE49-F238E27FC236}">
-                <a16:creationId xmlns:a16="http://schemas.microsoft.com/office/drawing/2014/main" xmlns="" id="{5ADD0A9E-BFF1-45B1-BCC8-6BB71EFC44E6}"/>
+                <a16:creationId xmlns="" xmlns:a16="http://schemas.microsoft.com/office/drawing/2014/main" id="{5ADD0A9E-BFF1-45B1-BCC8-6BB71EFC44E6}"/>
               </a:ext>
             </a:extLst>
           </p:cNvPr>
@@ -2112,7 +2112,7 @@
           <p:cNvPr id="3" name="日期版面配置區 2">
             <a:extLst>
               <a:ext uri="{FF2B5EF4-FFF2-40B4-BE49-F238E27FC236}">
-                <a16:creationId xmlns:a16="http://schemas.microsoft.com/office/drawing/2014/main" xmlns="" id="{7524ECC4-CB81-4D8E-8C65-462199D9CF21}"/>
+                <a16:creationId xmlns="" xmlns:a16="http://schemas.microsoft.com/office/drawing/2014/main" id="{7524ECC4-CB81-4D8E-8C65-462199D9CF21}"/>
               </a:ext>
             </a:extLst>
           </p:cNvPr>
@@ -2141,7 +2141,7 @@
           <p:cNvPr id="4" name="頁尾版面配置區 3">
             <a:extLst>
               <a:ext uri="{FF2B5EF4-FFF2-40B4-BE49-F238E27FC236}">
-                <a16:creationId xmlns:a16="http://schemas.microsoft.com/office/drawing/2014/main" xmlns="" id="{72E596D1-DDEB-45AC-80F7-526AD6353532}"/>
+                <a16:creationId xmlns="" xmlns:a16="http://schemas.microsoft.com/office/drawing/2014/main" id="{72E596D1-DDEB-45AC-80F7-526AD6353532}"/>
               </a:ext>
             </a:extLst>
           </p:cNvPr>
@@ -2166,7 +2166,7 @@
           <p:cNvPr id="5" name="投影片編號版面配置區 4">
             <a:extLst>
               <a:ext uri="{FF2B5EF4-FFF2-40B4-BE49-F238E27FC236}">
-                <a16:creationId xmlns:a16="http://schemas.microsoft.com/office/drawing/2014/main" xmlns="" id="{902848A7-C069-4E64-B1A3-8AA0D712882E}"/>
+                <a16:creationId xmlns="" xmlns:a16="http://schemas.microsoft.com/office/drawing/2014/main" id="{902848A7-C069-4E64-B1A3-8AA0D712882E}"/>
               </a:ext>
             </a:extLst>
           </p:cNvPr>
@@ -2239,7 +2239,7 @@
           <p:cNvPr id="2" name="日期版面配置區 1">
             <a:extLst>
               <a:ext uri="{FF2B5EF4-FFF2-40B4-BE49-F238E27FC236}">
-                <a16:creationId xmlns:a16="http://schemas.microsoft.com/office/drawing/2014/main" xmlns="" id="{43D3BF29-87E4-48DC-A493-19899D01BEC5}"/>
+                <a16:creationId xmlns="" xmlns:a16="http://schemas.microsoft.com/office/drawing/2014/main" id="{43D3BF29-87E4-48DC-A493-19899D01BEC5}"/>
               </a:ext>
             </a:extLst>
           </p:cNvPr>
@@ -2268,7 +2268,7 @@
           <p:cNvPr id="3" name="頁尾版面配置區 2">
             <a:extLst>
               <a:ext uri="{FF2B5EF4-FFF2-40B4-BE49-F238E27FC236}">
-                <a16:creationId xmlns:a16="http://schemas.microsoft.com/office/drawing/2014/main" xmlns="" id="{B2F06CAE-370F-4B09-8EB3-EE9822928DC3}"/>
+                <a16:creationId xmlns="" xmlns:a16="http://schemas.microsoft.com/office/drawing/2014/main" id="{B2F06CAE-370F-4B09-8EB3-EE9822928DC3}"/>
               </a:ext>
             </a:extLst>
           </p:cNvPr>
@@ -2293,7 +2293,7 @@
           <p:cNvPr id="4" name="投影片編號版面配置區 3">
             <a:extLst>
               <a:ext uri="{FF2B5EF4-FFF2-40B4-BE49-F238E27FC236}">
-                <a16:creationId xmlns:a16="http://schemas.microsoft.com/office/drawing/2014/main" xmlns="" id="{F746DB7D-11B7-4457-83D9-B852CFC8C28E}"/>
+                <a16:creationId xmlns="" xmlns:a16="http://schemas.microsoft.com/office/drawing/2014/main" id="{F746DB7D-11B7-4457-83D9-B852CFC8C28E}"/>
               </a:ext>
             </a:extLst>
           </p:cNvPr>
@@ -2366,7 +2366,7 @@
           <p:cNvPr id="2" name="標題 1">
             <a:extLst>
               <a:ext uri="{FF2B5EF4-FFF2-40B4-BE49-F238E27FC236}">
-                <a16:creationId xmlns:a16="http://schemas.microsoft.com/office/drawing/2014/main" xmlns="" id="{1F1623BD-4F11-474F-988E-CF5C422008F5}"/>
+                <a16:creationId xmlns="" xmlns:a16="http://schemas.microsoft.com/office/drawing/2014/main" id="{1F1623BD-4F11-474F-988E-CF5C422008F5}"/>
               </a:ext>
             </a:extLst>
           </p:cNvPr>
@@ -2403,7 +2403,7 @@
           <p:cNvPr id="3" name="內容版面配置區 2">
             <a:extLst>
               <a:ext uri="{FF2B5EF4-FFF2-40B4-BE49-F238E27FC236}">
-                <a16:creationId xmlns:a16="http://schemas.microsoft.com/office/drawing/2014/main" xmlns="" id="{D77263FA-5929-4E68-8E32-3CFD15ED43BE}"/>
+                <a16:creationId xmlns="" xmlns:a16="http://schemas.microsoft.com/office/drawing/2014/main" id="{D77263FA-5929-4E68-8E32-3CFD15ED43BE}"/>
               </a:ext>
             </a:extLst>
           </p:cNvPr>
@@ -2493,7 +2493,7 @@
           <p:cNvPr id="4" name="文字版面配置區 3">
             <a:extLst>
               <a:ext uri="{FF2B5EF4-FFF2-40B4-BE49-F238E27FC236}">
-                <a16:creationId xmlns:a16="http://schemas.microsoft.com/office/drawing/2014/main" xmlns="" id="{18F9C417-0FBF-4E6D-A0F6-F3509467F378}"/>
+                <a16:creationId xmlns="" xmlns:a16="http://schemas.microsoft.com/office/drawing/2014/main" id="{18F9C417-0FBF-4E6D-A0F6-F3509467F378}"/>
               </a:ext>
             </a:extLst>
           </p:cNvPr>
@@ -2564,7 +2564,7 @@
           <p:cNvPr id="5" name="日期版面配置區 4">
             <a:extLst>
               <a:ext uri="{FF2B5EF4-FFF2-40B4-BE49-F238E27FC236}">
-                <a16:creationId xmlns:a16="http://schemas.microsoft.com/office/drawing/2014/main" xmlns="" id="{ABF74F40-C3EB-4D41-8B92-2B78C740F0F9}"/>
+                <a16:creationId xmlns="" xmlns:a16="http://schemas.microsoft.com/office/drawing/2014/main" id="{ABF74F40-C3EB-4D41-8B92-2B78C740F0F9}"/>
               </a:ext>
             </a:extLst>
           </p:cNvPr>
@@ -2593,7 +2593,7 @@
           <p:cNvPr id="6" name="頁尾版面配置區 5">
             <a:extLst>
               <a:ext uri="{FF2B5EF4-FFF2-40B4-BE49-F238E27FC236}">
-                <a16:creationId xmlns:a16="http://schemas.microsoft.com/office/drawing/2014/main" xmlns="" id="{0C26688B-2162-429F-99B5-E7C218351F27}"/>
+                <a16:creationId xmlns="" xmlns:a16="http://schemas.microsoft.com/office/drawing/2014/main" id="{0C26688B-2162-429F-99B5-E7C218351F27}"/>
               </a:ext>
             </a:extLst>
           </p:cNvPr>
@@ -2618,7 +2618,7 @@
           <p:cNvPr id="7" name="投影片編號版面配置區 6">
             <a:extLst>
               <a:ext uri="{FF2B5EF4-FFF2-40B4-BE49-F238E27FC236}">
-                <a16:creationId xmlns:a16="http://schemas.microsoft.com/office/drawing/2014/main" xmlns="" id="{7D52046E-2796-4AEF-91CC-8109BAF1A911}"/>
+                <a16:creationId xmlns="" xmlns:a16="http://schemas.microsoft.com/office/drawing/2014/main" id="{7D52046E-2796-4AEF-91CC-8109BAF1A911}"/>
               </a:ext>
             </a:extLst>
           </p:cNvPr>
@@ -2691,7 +2691,7 @@
           <p:cNvPr id="2" name="標題 1">
             <a:extLst>
               <a:ext uri="{FF2B5EF4-FFF2-40B4-BE49-F238E27FC236}">
-                <a16:creationId xmlns:a16="http://schemas.microsoft.com/office/drawing/2014/main" xmlns="" id="{1D9A4132-75B1-40FB-89E2-8D74462D04E6}"/>
+                <a16:creationId xmlns="" xmlns:a16="http://schemas.microsoft.com/office/drawing/2014/main" id="{1D9A4132-75B1-40FB-89E2-8D74462D04E6}"/>
               </a:ext>
             </a:extLst>
           </p:cNvPr>
@@ -2728,7 +2728,7 @@
           <p:cNvPr id="3" name="圖片版面配置區 2">
             <a:extLst>
               <a:ext uri="{FF2B5EF4-FFF2-40B4-BE49-F238E27FC236}">
-                <a16:creationId xmlns:a16="http://schemas.microsoft.com/office/drawing/2014/main" xmlns="" id="{574DE8D6-A4C4-4BF6-A5EF-9B6E579CAEE8}"/>
+                <a16:creationId xmlns="" xmlns:a16="http://schemas.microsoft.com/office/drawing/2014/main" id="{574DE8D6-A4C4-4BF6-A5EF-9B6E579CAEE8}"/>
               </a:ext>
             </a:extLst>
           </p:cNvPr>
@@ -2798,7 +2798,7 @@
           <p:cNvPr id="4" name="文字版面配置區 3">
             <a:extLst>
               <a:ext uri="{FF2B5EF4-FFF2-40B4-BE49-F238E27FC236}">
-                <a16:creationId xmlns:a16="http://schemas.microsoft.com/office/drawing/2014/main" xmlns="" id="{3369DF69-92CA-417A-B03A-A868B154F849}"/>
+                <a16:creationId xmlns="" xmlns:a16="http://schemas.microsoft.com/office/drawing/2014/main" id="{3369DF69-92CA-417A-B03A-A868B154F849}"/>
               </a:ext>
             </a:extLst>
           </p:cNvPr>
@@ -2869,7 +2869,7 @@
           <p:cNvPr id="5" name="日期版面配置區 4">
             <a:extLst>
               <a:ext uri="{FF2B5EF4-FFF2-40B4-BE49-F238E27FC236}">
-                <a16:creationId xmlns:a16="http://schemas.microsoft.com/office/drawing/2014/main" xmlns="" id="{7AB2E883-5FAA-4456-ADE2-3CA2CCD7CE4E}"/>
+                <a16:creationId xmlns="" xmlns:a16="http://schemas.microsoft.com/office/drawing/2014/main" id="{7AB2E883-5FAA-4456-ADE2-3CA2CCD7CE4E}"/>
               </a:ext>
             </a:extLst>
           </p:cNvPr>
@@ -2898,7 +2898,7 @@
           <p:cNvPr id="6" name="頁尾版面配置區 5">
             <a:extLst>
               <a:ext uri="{FF2B5EF4-FFF2-40B4-BE49-F238E27FC236}">
-                <a16:creationId xmlns:a16="http://schemas.microsoft.com/office/drawing/2014/main" xmlns="" id="{E8E37DD7-E39B-4EB3-B3F1-8F8DCED22715}"/>
+                <a16:creationId xmlns="" xmlns:a16="http://schemas.microsoft.com/office/drawing/2014/main" id="{E8E37DD7-E39B-4EB3-B3F1-8F8DCED22715}"/>
               </a:ext>
             </a:extLst>
           </p:cNvPr>
@@ -2923,7 +2923,7 @@
           <p:cNvPr id="7" name="投影片編號版面配置區 6">
             <a:extLst>
               <a:ext uri="{FF2B5EF4-FFF2-40B4-BE49-F238E27FC236}">
-                <a16:creationId xmlns:a16="http://schemas.microsoft.com/office/drawing/2014/main" xmlns="" id="{B03FBFD5-AEFB-4C17-8A35-6BD0B9CB5893}"/>
+                <a16:creationId xmlns="" xmlns:a16="http://schemas.microsoft.com/office/drawing/2014/main" id="{B03FBFD5-AEFB-4C17-8A35-6BD0B9CB5893}"/>
               </a:ext>
             </a:extLst>
           </p:cNvPr>
@@ -2996,7 +2996,7 @@
           <p:cNvPr id="2" name="標題版面配置區 1">
             <a:extLst>
               <a:ext uri="{FF2B5EF4-FFF2-40B4-BE49-F238E27FC236}">
-                <a16:creationId xmlns:a16="http://schemas.microsoft.com/office/drawing/2014/main" xmlns="" id="{59919C01-682B-43E3-8EC7-5FB045B8B9CF}"/>
+                <a16:creationId xmlns="" xmlns:a16="http://schemas.microsoft.com/office/drawing/2014/main" id="{59919C01-682B-43E3-8EC7-5FB045B8B9CF}"/>
               </a:ext>
             </a:extLst>
           </p:cNvPr>
@@ -3034,7 +3034,7 @@
           <p:cNvPr id="3" name="文字版面配置區 2">
             <a:extLst>
               <a:ext uri="{FF2B5EF4-FFF2-40B4-BE49-F238E27FC236}">
-                <a16:creationId xmlns:a16="http://schemas.microsoft.com/office/drawing/2014/main" xmlns="" id="{4381586C-1186-4F61-ACE6-BD03BE8EEFE7}"/>
+                <a16:creationId xmlns="" xmlns:a16="http://schemas.microsoft.com/office/drawing/2014/main" id="{4381586C-1186-4F61-ACE6-BD03BE8EEFE7}"/>
               </a:ext>
             </a:extLst>
           </p:cNvPr>
@@ -3101,7 +3101,7 @@
           <p:cNvPr id="4" name="日期版面配置區 3">
             <a:extLst>
               <a:ext uri="{FF2B5EF4-FFF2-40B4-BE49-F238E27FC236}">
-                <a16:creationId xmlns:a16="http://schemas.microsoft.com/office/drawing/2014/main" xmlns="" id="{F9A2DB34-5EB8-4EB3-BD24-2BF095015FDD}"/>
+                <a16:creationId xmlns="" xmlns:a16="http://schemas.microsoft.com/office/drawing/2014/main" id="{F9A2DB34-5EB8-4EB3-BD24-2BF095015FDD}"/>
               </a:ext>
             </a:extLst>
           </p:cNvPr>
@@ -3148,7 +3148,7 @@
           <p:cNvPr id="5" name="頁尾版面配置區 4">
             <a:extLst>
               <a:ext uri="{FF2B5EF4-FFF2-40B4-BE49-F238E27FC236}">
-                <a16:creationId xmlns:a16="http://schemas.microsoft.com/office/drawing/2014/main" xmlns="" id="{72E4230B-CD15-4C3C-99D8-F3A0FBD40ADE}"/>
+                <a16:creationId xmlns="" xmlns:a16="http://schemas.microsoft.com/office/drawing/2014/main" id="{72E4230B-CD15-4C3C-99D8-F3A0FBD40ADE}"/>
               </a:ext>
             </a:extLst>
           </p:cNvPr>
@@ -3191,7 +3191,7 @@
           <p:cNvPr id="6" name="投影片編號版面配置區 5">
             <a:extLst>
               <a:ext uri="{FF2B5EF4-FFF2-40B4-BE49-F238E27FC236}">
-                <a16:creationId xmlns:a16="http://schemas.microsoft.com/office/drawing/2014/main" xmlns="" id="{6ABAA721-5A93-4BD0-95D7-FDB0FCBEABAF}"/>
+                <a16:creationId xmlns="" xmlns:a16="http://schemas.microsoft.com/office/drawing/2014/main" id="{6ABAA721-5A93-4BD0-95D7-FDB0FCBEABAF}"/>
               </a:ext>
             </a:extLst>
           </p:cNvPr>
@@ -3573,7 +3573,7 @@
           <p:cNvPr id="2" name="標題 1">
             <a:extLst>
               <a:ext uri="{FF2B5EF4-FFF2-40B4-BE49-F238E27FC236}">
-                <a16:creationId xmlns:a16="http://schemas.microsoft.com/office/drawing/2014/main" xmlns="" id="{1A80E823-75C5-47FA-9300-E31040C20F01}"/>
+                <a16:creationId xmlns="" xmlns:a16="http://schemas.microsoft.com/office/drawing/2014/main" id="{1A80E823-75C5-47FA-9300-E31040C20F01}"/>
               </a:ext>
             </a:extLst>
           </p:cNvPr>
@@ -3596,21 +3596,7 @@
                 <a:latin typeface="微軟正黑體" panose="020B0604030504040204" pitchFamily="34" charset="-120"/>
                 <a:ea typeface="微軟正黑體" panose="020B0604030504040204" pitchFamily="34" charset="-120"/>
               </a:rPr>
-              <a:t>更新</a:t>
-            </a:r>
-            <a:r>
-              <a:rPr lang="zh-TW" altLang="en-US" b="1" dirty="0" smtClean="0">
-                <a:latin typeface="微軟正黑體" panose="020B0604030504040204" pitchFamily="34" charset="-120"/>
-                <a:ea typeface="微軟正黑體" panose="020B0604030504040204" pitchFamily="34" charset="-120"/>
-              </a:rPr>
-              <a:t>功能</a:t>
-            </a:r>
-            <a:r>
-              <a:rPr lang="zh-TW" altLang="en-US" b="1" dirty="0" smtClean="0">
-                <a:latin typeface="微軟正黑體" panose="020B0604030504040204" pitchFamily="34" charset="-120"/>
-                <a:ea typeface="微軟正黑體" panose="020B0604030504040204" pitchFamily="34" charset="-120"/>
-              </a:rPr>
-              <a:t>說明</a:t>
+              <a:t>更新功能說明</a:t>
             </a:r>
             <a:r>
               <a:rPr lang="en-US" altLang="zh-TW" b="1" dirty="0">
@@ -3641,7 +3627,7 @@
           <p:cNvPr id="3" name="副標題 2">
             <a:extLst>
               <a:ext uri="{FF2B5EF4-FFF2-40B4-BE49-F238E27FC236}">
-                <a16:creationId xmlns:a16="http://schemas.microsoft.com/office/drawing/2014/main" xmlns="" id="{8DA0A344-8784-4021-81AB-0ECC0B15A6DC}"/>
+                <a16:creationId xmlns="" xmlns:a16="http://schemas.microsoft.com/office/drawing/2014/main" id="{8DA0A344-8784-4021-81AB-0ECC0B15A6DC}"/>
               </a:ext>
             </a:extLst>
           </p:cNvPr>
@@ -3713,7 +3699,7 @@
           <p:cNvPr id="4" name="標題 1">
             <a:extLst>
               <a:ext uri="{FF2B5EF4-FFF2-40B4-BE49-F238E27FC236}">
-                <a16:creationId xmlns:a16="http://schemas.microsoft.com/office/drawing/2014/main" xmlns="" id="{B3BF7FD0-0882-45A6-9569-D81130295784}"/>
+                <a16:creationId xmlns="" xmlns:a16="http://schemas.microsoft.com/office/drawing/2014/main" id="{B3BF7FD0-0882-45A6-9569-D81130295784}"/>
               </a:ext>
             </a:extLst>
           </p:cNvPr>
@@ -3805,7 +3791,7 @@
         <p:spPr>
           <a:xfrm>
             <a:off x="650789" y="683740"/>
-            <a:ext cx="6474849" cy="646331"/>
+            <a:ext cx="6474849" cy="615553"/>
           </a:xfrm>
           <a:prstGeom prst="rect">
             <a:avLst/>
@@ -3842,18 +3828,18 @@
               <a:buChar char="•"/>
             </a:pPr>
             <a:r>
-              <a:rPr lang="zh-TW" altLang="en-US" dirty="0" smtClean="0"/>
+              <a:rPr lang="zh-TW" altLang="en-US" sz="1600" dirty="0" smtClean="0"/>
               <a:t>此設定僅支援</a:t>
             </a:r>
             <a:r>
-              <a:rPr lang="en-US" altLang="zh-TW" dirty="0" smtClean="0"/>
+              <a:rPr lang="en-US" altLang="zh-TW" sz="1600" dirty="0" smtClean="0"/>
               <a:t>RWD/APP</a:t>
             </a:r>
             <a:r>
-              <a:rPr lang="zh-TW" altLang="en-US" dirty="0" smtClean="0"/>
+              <a:rPr lang="zh-TW" altLang="en-US" sz="1600" dirty="0" smtClean="0"/>
               <a:t>表單</a:t>
             </a:r>
-            <a:endParaRPr lang="zh-TW" altLang="en-US" dirty="0"/>
+            <a:endParaRPr lang="zh-TW" altLang="en-US" sz="1600" dirty="0"/>
           </a:p>
         </p:txBody>
       </p:sp>
@@ -3961,37 +3947,7 @@
                   </a:schemeClr>
                 </a:solidFill>
               </a:rPr>
-              <a:t>判斷當</a:t>
-            </a:r>
-            <a:r>
-              <a:rPr lang="zh-TW" altLang="en-US" sz="1600" dirty="0" smtClean="0">
-                <a:solidFill>
-                  <a:schemeClr val="accent6">
-                    <a:lumMod val="50000"/>
-                  </a:schemeClr>
-                </a:solidFill>
-              </a:rPr>
-              <a:t>核</a:t>
-            </a:r>
-            <a:r>
-              <a:rPr lang="zh-TW" altLang="en-US" sz="1600" dirty="0" smtClean="0">
-                <a:solidFill>
-                  <a:schemeClr val="accent6">
-                    <a:lumMod val="50000"/>
-                  </a:schemeClr>
-                </a:solidFill>
-              </a:rPr>
-              <a:t>取方塊為勾選者，變更區</a:t>
-            </a:r>
-            <a:r>
-              <a:rPr lang="zh-TW" altLang="en-US" sz="1600" dirty="0" smtClean="0">
-                <a:solidFill>
-                  <a:schemeClr val="accent6">
-                    <a:lumMod val="50000"/>
-                  </a:schemeClr>
-                </a:solidFill>
-              </a:rPr>
-              <a:t>塊底色變成藍色</a:t>
+              <a:t>判斷當核取方塊為勾選者，變更區塊底色變成藍色</a:t>
             </a:r>
             <a:endParaRPr lang="zh-TW" altLang="en-US" sz="1600" dirty="0">
               <a:solidFill>
@@ -4038,7 +3994,7 @@
           <p:cNvPr id="4" name="標題 1">
             <a:extLst>
               <a:ext uri="{FF2B5EF4-FFF2-40B4-BE49-F238E27FC236}">
-                <a16:creationId xmlns:a16="http://schemas.microsoft.com/office/drawing/2014/main" xmlns="" id="{B3BF7FD0-0882-45A6-9569-D81130295784}"/>
+                <a16:creationId xmlns="" xmlns:a16="http://schemas.microsoft.com/office/drawing/2014/main" id="{B3BF7FD0-0882-45A6-9569-D81130295784}"/>
               </a:ext>
             </a:extLst>
           </p:cNvPr>
@@ -4130,7 +4086,7 @@
         <p:spPr>
           <a:xfrm>
             <a:off x="650790" y="667263"/>
-            <a:ext cx="6872394" cy="646331"/>
+            <a:ext cx="6872394" cy="615553"/>
           </a:xfrm>
           <a:prstGeom prst="rect">
             <a:avLst/>
@@ -4183,42 +4139,38 @@
               <a:buChar char="•"/>
             </a:pPr>
             <a:r>
-              <a:rPr lang="en-US" altLang="zh-TW" dirty="0" smtClean="0"/>
+              <a:rPr lang="en-US" altLang="zh-TW" sz="1600" dirty="0" smtClean="0"/>
               <a:t>RWD</a:t>
             </a:r>
             <a:r>
-              <a:rPr lang="en-US" altLang="zh-TW" dirty="0"/>
+              <a:rPr lang="en-US" altLang="zh-TW" sz="1600" dirty="0"/>
               <a:t>: (RWD</a:t>
             </a:r>
             <a:r>
-              <a:rPr lang="en-US" altLang="zh-TW" dirty="0" smtClean="0"/>
+              <a:rPr lang="en-US" altLang="zh-TW" sz="1600" dirty="0" smtClean="0"/>
               <a:t>)</a:t>
             </a:r>
             <a:r>
-              <a:rPr lang="zh-TW" altLang="en-US" dirty="0" smtClean="0"/>
-              <a:t>資料區</a:t>
-            </a:r>
-            <a:r>
-              <a:rPr lang="zh-TW" altLang="en-US" dirty="0" smtClean="0"/>
-              <a:t>塊 </a:t>
-            </a:r>
-            <a:r>
-              <a:rPr lang="en-US" altLang="zh-TW" dirty="0" smtClean="0"/>
+              <a:rPr lang="zh-TW" altLang="en-US" sz="1600" dirty="0" smtClean="0"/>
+              <a:t>資料區塊 </a:t>
+            </a:r>
+            <a:r>
+              <a:rPr lang="en-US" altLang="zh-TW" sz="1600" dirty="0" smtClean="0"/>
               <a:t>/ APP</a:t>
             </a:r>
             <a:r>
-              <a:rPr lang="en-US" altLang="zh-TW" dirty="0"/>
+              <a:rPr lang="en-US" altLang="zh-TW" sz="1600" dirty="0"/>
               <a:t>: (Apps</a:t>
             </a:r>
             <a:r>
-              <a:rPr lang="en-US" altLang="zh-TW" dirty="0" smtClean="0"/>
+              <a:rPr lang="en-US" altLang="zh-TW" sz="1600" dirty="0" smtClean="0"/>
               <a:t>)</a:t>
             </a:r>
             <a:r>
-              <a:rPr lang="zh-TW" altLang="en-US" dirty="0" smtClean="0"/>
+              <a:rPr lang="zh-TW" altLang="en-US" sz="1600" dirty="0" smtClean="0"/>
               <a:t>資料區塊</a:t>
             </a:r>
-            <a:endParaRPr lang="zh-TW" altLang="en-US" dirty="0"/>
+            <a:endParaRPr lang="zh-TW" altLang="en-US" sz="1600" dirty="0"/>
           </a:p>
         </p:txBody>
       </p:sp>
@@ -4305,17 +4257,7 @@
                   </a:schemeClr>
                 </a:solidFill>
               </a:rPr>
-              <a:t>指定容器元件 套用</a:t>
-            </a:r>
-            <a:r>
-              <a:rPr lang="zh-TW" altLang="en-US" sz="1600" dirty="0" smtClean="0">
-                <a:solidFill>
-                  <a:schemeClr val="accent6">
-                    <a:lumMod val="50000"/>
-                  </a:schemeClr>
-                </a:solidFill>
-              </a:rPr>
-              <a:t>單元樣式</a:t>
+              <a:t>指定容器元件 套用單元樣式</a:t>
             </a:r>
             <a:r>
               <a:rPr lang="en-US" altLang="zh-TW" sz="1600" dirty="0">
@@ -4412,7 +4354,7 @@
           <p:cNvPr id="4" name="標題 1">
             <a:extLst>
               <a:ext uri="{FF2B5EF4-FFF2-40B4-BE49-F238E27FC236}">
-                <a16:creationId xmlns:a16="http://schemas.microsoft.com/office/drawing/2014/main" xmlns="" id="{B3BF7FD0-0882-45A6-9569-D81130295784}"/>
+                <a16:creationId xmlns="" xmlns:a16="http://schemas.microsoft.com/office/drawing/2014/main" id="{B3BF7FD0-0882-45A6-9569-D81130295784}"/>
               </a:ext>
             </a:extLst>
           </p:cNvPr>
@@ -4824,17 +4766,7 @@
                   </a:schemeClr>
                 </a:solidFill>
               </a:rPr>
-              <a:t>駐留萊恩</a:t>
-            </a:r>
-            <a:r>
-              <a:rPr lang="zh-TW" altLang="en-US" sz="1600" dirty="0" smtClean="0">
-                <a:solidFill>
-                  <a:schemeClr val="accent6">
-                    <a:lumMod val="50000"/>
-                  </a:schemeClr>
-                </a:solidFill>
-              </a:rPr>
-              <a:t>，出現顯示設定的底色</a:t>
+              <a:t>駐留萊恩，出現顯示設定的底色</a:t>
             </a:r>
             <a:r>
               <a:rPr lang="en-US" altLang="zh-TW" sz="1600" dirty="0" smtClean="0">
@@ -4929,47 +4861,7 @@
                   </a:schemeClr>
                 </a:solidFill>
               </a:rPr>
-              <a:t>駐留桃子</a:t>
-            </a:r>
-            <a:r>
-              <a:rPr lang="zh-TW" altLang="en-US" sz="1600" dirty="0" smtClean="0">
-                <a:solidFill>
-                  <a:schemeClr val="accent6">
-                    <a:lumMod val="50000"/>
-                  </a:schemeClr>
-                </a:solidFill>
-              </a:rPr>
-              <a:t>，光</a:t>
-            </a:r>
-            <a:r>
-              <a:rPr lang="zh-TW" altLang="en-US" sz="1600" dirty="0" smtClean="0">
-                <a:solidFill>
-                  <a:schemeClr val="accent6">
-                    <a:lumMod val="50000"/>
-                  </a:schemeClr>
-                </a:solidFill>
-              </a:rPr>
-              <a:t>棒</a:t>
-            </a:r>
-            <a:r>
-              <a:rPr lang="zh-TW" altLang="en-US" sz="1600" dirty="0" smtClean="0">
-                <a:solidFill>
-                  <a:schemeClr val="accent6">
-                    <a:lumMod val="50000"/>
-                  </a:schemeClr>
-                </a:solidFill>
-              </a:rPr>
-              <a:t>底色覆蓋了區</a:t>
-            </a:r>
-            <a:r>
-              <a:rPr lang="zh-TW" altLang="en-US" sz="1600" dirty="0" smtClean="0">
-                <a:solidFill>
-                  <a:schemeClr val="accent6">
-                    <a:lumMod val="50000"/>
-                  </a:schemeClr>
-                </a:solidFill>
-              </a:rPr>
-              <a:t>塊底色</a:t>
+              <a:t>駐留桃子，光棒底色覆蓋了區塊底色</a:t>
             </a:r>
             <a:endParaRPr lang="zh-TW" altLang="en-US" sz="1600" dirty="0">
               <a:solidFill>
@@ -5047,7 +4939,7 @@
           <p:cNvPr id="4" name="標題 1">
             <a:extLst>
               <a:ext uri="{FF2B5EF4-FFF2-40B4-BE49-F238E27FC236}">
-                <a16:creationId xmlns:a16="http://schemas.microsoft.com/office/drawing/2014/main" xmlns="" id="{B3BF7FD0-0882-45A6-9569-D81130295784}"/>
+                <a16:creationId xmlns="" xmlns:a16="http://schemas.microsoft.com/office/drawing/2014/main" id="{B3BF7FD0-0882-45A6-9569-D81130295784}"/>
               </a:ext>
             </a:extLst>
           </p:cNvPr>
@@ -5368,7 +5260,7 @@
           <p:cNvPr id="4" name="標題 1">
             <a:extLst>
               <a:ext uri="{FF2B5EF4-FFF2-40B4-BE49-F238E27FC236}">
-                <a16:creationId xmlns:a16="http://schemas.microsoft.com/office/drawing/2014/main" xmlns="" id="{B3BF7FD0-0882-45A6-9569-D81130295784}"/>
+                <a16:creationId xmlns="" xmlns:a16="http://schemas.microsoft.com/office/drawing/2014/main" id="{B3BF7FD0-0882-45A6-9569-D81130295784}"/>
               </a:ext>
             </a:extLst>
           </p:cNvPr>
@@ -5504,7 +5396,7 @@
           <p:cNvPr id="4" name="標題 1">
             <a:extLst>
               <a:ext uri="{FF2B5EF4-FFF2-40B4-BE49-F238E27FC236}">
-                <a16:creationId xmlns:a16="http://schemas.microsoft.com/office/drawing/2014/main" xmlns="" id="{B3BF7FD0-0882-45A6-9569-D81130295784}"/>
+                <a16:creationId xmlns="" xmlns:a16="http://schemas.microsoft.com/office/drawing/2014/main" id="{B3BF7FD0-0882-45A6-9569-D81130295784}"/>
               </a:ext>
             </a:extLst>
           </p:cNvPr>
@@ -5640,7 +5532,7 @@
           <p:cNvPr id="4" name="標題 1">
             <a:extLst>
               <a:ext uri="{FF2B5EF4-FFF2-40B4-BE49-F238E27FC236}">
-                <a16:creationId xmlns:a16="http://schemas.microsoft.com/office/drawing/2014/main" xmlns="" id="{B3BF7FD0-0882-45A6-9569-D81130295784}"/>
+                <a16:creationId xmlns="" xmlns:a16="http://schemas.microsoft.com/office/drawing/2014/main" id="{B3BF7FD0-0882-45A6-9569-D81130295784}"/>
               </a:ext>
             </a:extLst>
           </p:cNvPr>
@@ -5869,7 +5761,7 @@
           <p:cNvPr id="2" name="標題 1">
             <a:extLst>
               <a:ext uri="{FF2B5EF4-FFF2-40B4-BE49-F238E27FC236}">
-                <a16:creationId xmlns:a16="http://schemas.microsoft.com/office/drawing/2014/main" xmlns="" id="{B3BF7FD0-0882-45A6-9569-D81130295784}"/>
+                <a16:creationId xmlns="" xmlns:a16="http://schemas.microsoft.com/office/drawing/2014/main" id="{B3BF7FD0-0882-45A6-9569-D81130295784}"/>
               </a:ext>
             </a:extLst>
           </p:cNvPr>
@@ -6280,7 +6172,7 @@
           <p:cNvPr id="4" name="標題 1">
             <a:extLst>
               <a:ext uri="{FF2B5EF4-FFF2-40B4-BE49-F238E27FC236}">
-                <a16:creationId xmlns:a16="http://schemas.microsoft.com/office/drawing/2014/main" xmlns="" id="{B3BF7FD0-0882-45A6-9569-D81130295784}"/>
+                <a16:creationId xmlns="" xmlns:a16="http://schemas.microsoft.com/office/drawing/2014/main" id="{B3BF7FD0-0882-45A6-9569-D81130295784}"/>
               </a:ext>
             </a:extLst>
           </p:cNvPr>
@@ -6636,7 +6528,7 @@
           <p:cNvPr id="4" name="標題 1">
             <a:extLst>
               <a:ext uri="{FF2B5EF4-FFF2-40B4-BE49-F238E27FC236}">
-                <a16:creationId xmlns:a16="http://schemas.microsoft.com/office/drawing/2014/main" xmlns="" id="{B3BF7FD0-0882-45A6-9569-D81130295784}"/>
+                <a16:creationId xmlns="" xmlns:a16="http://schemas.microsoft.com/office/drawing/2014/main" id="{B3BF7FD0-0882-45A6-9569-D81130295784}"/>
               </a:ext>
             </a:extLst>
           </p:cNvPr>
@@ -6779,15 +6671,7 @@
             </a:pPr>
             <a:r>
               <a:rPr lang="zh-TW" altLang="en-US" dirty="0" smtClean="0"/>
-              <a:t>單列式</a:t>
-            </a:r>
-            <a:r>
-              <a:rPr lang="zh-TW" altLang="en-US" dirty="0" smtClean="0"/>
-              <a:t>，</a:t>
-            </a:r>
-            <a:r>
-              <a:rPr lang="zh-TW" altLang="en-US" dirty="0" smtClean="0"/>
-              <a:t>一列僅放置一筆記錄</a:t>
+              <a:t>單列式，一列僅放置一筆記錄</a:t>
             </a:r>
             <a:r>
               <a:rPr lang="en-US" altLang="zh-TW" dirty="0" smtClean="0"/>
@@ -6795,21 +6679,12 @@
             </a:r>
             <a:r>
               <a:rPr lang="zh-TW" altLang="en-US" dirty="0" smtClean="0"/>
-              <a:t>目前</a:t>
-            </a:r>
-            <a:r>
-              <a:rPr lang="zh-TW" altLang="en-US" dirty="0" smtClean="0"/>
-              <a:t>設定</a:t>
-            </a:r>
-            <a:r>
-              <a:rPr lang="zh-TW" altLang="en-US" dirty="0" smtClean="0"/>
-              <a:t>方式</a:t>
+              <a:t>目前設定方式</a:t>
             </a:r>
             <a:r>
               <a:rPr lang="en-US" altLang="zh-TW" dirty="0" smtClean="0"/>
               <a:t>)</a:t>
             </a:r>
-            <a:endParaRPr lang="en-US" altLang="zh-TW" dirty="0" smtClean="0"/>
           </a:p>
         </p:txBody>
       </p:sp>
@@ -6901,7 +6776,7 @@
           <p:cNvPr id="4" name="標題 1">
             <a:extLst>
               <a:ext uri="{FF2B5EF4-FFF2-40B4-BE49-F238E27FC236}">
-                <a16:creationId xmlns:a16="http://schemas.microsoft.com/office/drawing/2014/main" xmlns="" id="{B3BF7FD0-0882-45A6-9569-D81130295784}"/>
+                <a16:creationId xmlns="" xmlns:a16="http://schemas.microsoft.com/office/drawing/2014/main" id="{B3BF7FD0-0882-45A6-9569-D81130295784}"/>
               </a:ext>
             </a:extLst>
           </p:cNvPr>
@@ -7077,15 +6952,7 @@
             </a:pPr>
             <a:r>
               <a:rPr lang="zh-TW" altLang="en-US" dirty="0" smtClean="0"/>
-              <a:t>資料區</a:t>
-            </a:r>
-            <a:r>
-              <a:rPr lang="zh-TW" altLang="en-US" dirty="0" smtClean="0"/>
-              <a:t>塊內的</a:t>
-            </a:r>
-            <a:r>
-              <a:rPr lang="zh-TW" altLang="en-US" dirty="0" smtClean="0"/>
-              <a:t>子元件強制為固定高度</a:t>
+              <a:t>資料區塊內的子元件強制為固定高度</a:t>
             </a:r>
             <a:endParaRPr lang="en-US" altLang="zh-TW" dirty="0" smtClean="0"/>
           </a:p>
@@ -7096,11 +6963,7 @@
             </a:pPr>
             <a:r>
               <a:rPr lang="zh-TW" altLang="en-US" sz="1600" dirty="0" smtClean="0"/>
-              <a:t>當子元件的總高度超過資料區塊的高度時，出現垂直</a:t>
-            </a:r>
-            <a:r>
-              <a:rPr lang="zh-TW" altLang="en-US" sz="1600" dirty="0" smtClean="0"/>
-              <a:t>捲軸</a:t>
+              <a:t>當子元件的總高度超過資料區塊的高度時，出現垂直捲軸</a:t>
             </a:r>
             <a:endParaRPr lang="en-US" altLang="zh-TW" sz="1600" dirty="0" smtClean="0"/>
           </a:p>
@@ -7486,7 +7349,7 @@
           <p:cNvPr id="4" name="標題 1">
             <a:extLst>
               <a:ext uri="{FF2B5EF4-FFF2-40B4-BE49-F238E27FC236}">
-                <a16:creationId xmlns:a16="http://schemas.microsoft.com/office/drawing/2014/main" xmlns="" id="{B3BF7FD0-0882-45A6-9569-D81130295784}"/>
+                <a16:creationId xmlns="" xmlns:a16="http://schemas.microsoft.com/office/drawing/2014/main" id="{B3BF7FD0-0882-45A6-9569-D81130295784}"/>
               </a:ext>
             </a:extLst>
           </p:cNvPr>
@@ -7661,7 +7524,6 @@
               <a:rPr lang="en-US" altLang="zh-TW" dirty="0" smtClean="0"/>
               <a:t>)</a:t>
             </a:r>
-            <a:endParaRPr lang="en-US" altLang="zh-TW" dirty="0" smtClean="0"/>
           </a:p>
           <a:p>
             <a:pPr marL="285750" indent="-285750">
@@ -7814,7 +7676,7 @@
           <a:p>
             <a:r>
               <a:rPr lang="zh-TW" altLang="en-US" dirty="0" smtClean="0"/>
-              <a:t>圖一</a:t>
+              <a:t>圖二</a:t>
             </a:r>
             <a:r>
               <a:rPr lang="en-US" altLang="zh-TW" dirty="0"/>
@@ -7865,7 +7727,7 @@
           <p:cNvPr id="4" name="標題 1">
             <a:extLst>
               <a:ext uri="{FF2B5EF4-FFF2-40B4-BE49-F238E27FC236}">
-                <a16:creationId xmlns:a16="http://schemas.microsoft.com/office/drawing/2014/main" xmlns="" id="{B3BF7FD0-0882-45A6-9569-D81130295784}"/>
+                <a16:creationId xmlns="" xmlns:a16="http://schemas.microsoft.com/office/drawing/2014/main" id="{B3BF7FD0-0882-45A6-9569-D81130295784}"/>
               </a:ext>
             </a:extLst>
           </p:cNvPr>
@@ -8143,7 +8005,7 @@
         </p:blipFill>
         <p:spPr>
           <a:xfrm>
-            <a:off x="777952" y="2055946"/>
+            <a:off x="1313411" y="2074864"/>
             <a:ext cx="7156168" cy="1610376"/>
           </a:xfrm>
           <a:prstGeom prst="rect">
@@ -8203,7 +8065,7 @@
         </p:blipFill>
         <p:spPr>
           <a:xfrm>
-            <a:off x="777952" y="4386068"/>
+            <a:off x="1313411" y="4386068"/>
             <a:ext cx="6719986" cy="151692"/>
           </a:xfrm>
           <a:prstGeom prst="rect">
@@ -8276,7 +8138,7 @@
           <p:cNvPr id="4" name="標題 1">
             <a:extLst>
               <a:ext uri="{FF2B5EF4-FFF2-40B4-BE49-F238E27FC236}">
-                <a16:creationId xmlns:a16="http://schemas.microsoft.com/office/drawing/2014/main" xmlns="" id="{B3BF7FD0-0882-45A6-9569-D81130295784}"/>
+                <a16:creationId xmlns="" xmlns:a16="http://schemas.microsoft.com/office/drawing/2014/main" id="{B3BF7FD0-0882-45A6-9569-D81130295784}"/>
               </a:ext>
             </a:extLst>
           </p:cNvPr>
@@ -8421,7 +8283,6 @@
               <a:rPr lang="en-US" altLang="zh-TW" dirty="0" smtClean="0"/>
               <a:t>)</a:t>
             </a:r>
-            <a:endParaRPr lang="en-US" altLang="zh-TW" dirty="0" smtClean="0"/>
           </a:p>
           <a:p>
             <a:pPr marL="285750" indent="-285750">
@@ -8541,7 +8402,7 @@
         </p:blipFill>
         <p:spPr>
           <a:xfrm>
-            <a:off x="6851969" y="2083983"/>
+            <a:off x="6901397" y="2083983"/>
             <a:ext cx="1419799" cy="3001588"/>
           </a:xfrm>
           <a:prstGeom prst="rect">
@@ -8614,7 +8475,7 @@
           <p:cNvPr id="4" name="標題 1">
             <a:extLst>
               <a:ext uri="{FF2B5EF4-FFF2-40B4-BE49-F238E27FC236}">
-                <a16:creationId xmlns:a16="http://schemas.microsoft.com/office/drawing/2014/main" xmlns="" id="{B3BF7FD0-0882-45A6-9569-D81130295784}"/>
+                <a16:creationId xmlns="" xmlns:a16="http://schemas.microsoft.com/office/drawing/2014/main" id="{B3BF7FD0-0882-45A6-9569-D81130295784}"/>
               </a:ext>
             </a:extLst>
           </p:cNvPr>
@@ -8787,7 +8648,6 @@
               <a:rPr lang="en-US" altLang="zh-TW" dirty="0" smtClean="0"/>
               <a:t>)</a:t>
             </a:r>
-            <a:endParaRPr lang="en-US" altLang="zh-TW" dirty="0" smtClean="0"/>
           </a:p>
           <a:p>
             <a:pPr marL="285750" indent="-285750">
